--- a/images/hello-k8s.pptx
+++ b/images/hello-k8s.pptx
@@ -292,7 +292,7 @@
           <a:p>
             <a:fld id="{12DDEF2B-806B-47DE-B303-AA8F8BC838BF}" type="datetimeFigureOut">
               <a:rPr kumimoji="1" lang="ja-JP" altLang="en-US" smtClean="0"/>
-              <a:t>2019/7/20</a:t>
+              <a:t>2019/7/26</a:t>
             </a:fld>
             <a:endParaRPr kumimoji="1" lang="ja-JP" altLang="en-US"/>
           </a:p>
@@ -494,7 +494,7 @@
           <a:p>
             <a:fld id="{12DDEF2B-806B-47DE-B303-AA8F8BC838BF}" type="datetimeFigureOut">
               <a:rPr kumimoji="1" lang="ja-JP" altLang="en-US" smtClean="0"/>
-              <a:t>2019/7/20</a:t>
+              <a:t>2019/7/26</a:t>
             </a:fld>
             <a:endParaRPr kumimoji="1" lang="ja-JP" altLang="en-US"/>
           </a:p>
@@ -706,7 +706,7 @@
           <a:p>
             <a:fld id="{12DDEF2B-806B-47DE-B303-AA8F8BC838BF}" type="datetimeFigureOut">
               <a:rPr kumimoji="1" lang="ja-JP" altLang="en-US" smtClean="0"/>
-              <a:t>2019/7/20</a:t>
+              <a:t>2019/7/26</a:t>
             </a:fld>
             <a:endParaRPr kumimoji="1" lang="ja-JP" altLang="en-US"/>
           </a:p>
@@ -908,7 +908,7 @@
           <a:p>
             <a:fld id="{12DDEF2B-806B-47DE-B303-AA8F8BC838BF}" type="datetimeFigureOut">
               <a:rPr kumimoji="1" lang="ja-JP" altLang="en-US" smtClean="0"/>
-              <a:t>2019/7/20</a:t>
+              <a:t>2019/7/26</a:t>
             </a:fld>
             <a:endParaRPr kumimoji="1" lang="ja-JP" altLang="en-US"/>
           </a:p>
@@ -1154,7 +1154,7 @@
           <a:p>
             <a:fld id="{12DDEF2B-806B-47DE-B303-AA8F8BC838BF}" type="datetimeFigureOut">
               <a:rPr kumimoji="1" lang="ja-JP" altLang="en-US" smtClean="0"/>
-              <a:t>2019/7/20</a:t>
+              <a:t>2019/7/26</a:t>
             </a:fld>
             <a:endParaRPr kumimoji="1" lang="ja-JP" altLang="en-US"/>
           </a:p>
@@ -1506,7 +1506,7 @@
           <a:p>
             <a:fld id="{12DDEF2B-806B-47DE-B303-AA8F8BC838BF}" type="datetimeFigureOut">
               <a:rPr kumimoji="1" lang="ja-JP" altLang="en-US" smtClean="0"/>
-              <a:t>2019/7/20</a:t>
+              <a:t>2019/7/26</a:t>
             </a:fld>
             <a:endParaRPr kumimoji="1" lang="ja-JP" altLang="en-US"/>
           </a:p>
@@ -1992,7 +1992,7 @@
           <a:p>
             <a:fld id="{12DDEF2B-806B-47DE-B303-AA8F8BC838BF}" type="datetimeFigureOut">
               <a:rPr kumimoji="1" lang="ja-JP" altLang="en-US" smtClean="0"/>
-              <a:t>2019/7/20</a:t>
+              <a:t>2019/7/26</a:t>
             </a:fld>
             <a:endParaRPr kumimoji="1" lang="ja-JP" altLang="en-US"/>
           </a:p>
@@ -2110,7 +2110,7 @@
           <a:p>
             <a:fld id="{12DDEF2B-806B-47DE-B303-AA8F8BC838BF}" type="datetimeFigureOut">
               <a:rPr kumimoji="1" lang="ja-JP" altLang="en-US" smtClean="0"/>
-              <a:t>2019/7/20</a:t>
+              <a:t>2019/7/26</a:t>
             </a:fld>
             <a:endParaRPr kumimoji="1" lang="ja-JP" altLang="en-US"/>
           </a:p>
@@ -2205,7 +2205,7 @@
           <a:p>
             <a:fld id="{12DDEF2B-806B-47DE-B303-AA8F8BC838BF}" type="datetimeFigureOut">
               <a:rPr kumimoji="1" lang="ja-JP" altLang="en-US" smtClean="0"/>
-              <a:t>2019/7/20</a:t>
+              <a:t>2019/7/26</a:t>
             </a:fld>
             <a:endParaRPr kumimoji="1" lang="ja-JP" altLang="en-US"/>
           </a:p>
@@ -2514,7 +2514,7 @@
           <a:p>
             <a:fld id="{12DDEF2B-806B-47DE-B303-AA8F8BC838BF}" type="datetimeFigureOut">
               <a:rPr kumimoji="1" lang="ja-JP" altLang="en-US" smtClean="0"/>
-              <a:t>2019/7/20</a:t>
+              <a:t>2019/7/26</a:t>
             </a:fld>
             <a:endParaRPr kumimoji="1" lang="ja-JP" altLang="en-US"/>
           </a:p>
@@ -2767,7 +2767,7 @@
           <a:p>
             <a:fld id="{12DDEF2B-806B-47DE-B303-AA8F8BC838BF}" type="datetimeFigureOut">
               <a:rPr kumimoji="1" lang="ja-JP" altLang="en-US" smtClean="0"/>
-              <a:t>2019/7/20</a:t>
+              <a:t>2019/7/26</a:t>
             </a:fld>
             <a:endParaRPr kumimoji="1" lang="ja-JP" altLang="en-US"/>
           </a:p>
@@ -3012,7 +3012,7 @@
           <a:p>
             <a:fld id="{12DDEF2B-806B-47DE-B303-AA8F8BC838BF}" type="datetimeFigureOut">
               <a:rPr kumimoji="1" lang="ja-JP" altLang="en-US" smtClean="0"/>
-              <a:t>2019/7/20</a:t>
+              <a:t>2019/7/26</a:t>
             </a:fld>
             <a:endParaRPr kumimoji="1" lang="ja-JP" altLang="en-US"/>
           </a:p>
@@ -4701,11 +4701,6 @@
                 </a:rPr>
                 <a:t>コンテナ</a:t>
               </a:r>
-              <a:endParaRPr lang="ja-JP" altLang="en-US" sz="2400" dirty="0">
-                <a:latin typeface="Arial Unicode MS" panose="020B0604020202020204" pitchFamily="50" charset="-128"/>
-                <a:ea typeface="Arial Unicode MS" panose="020B0604020202020204" pitchFamily="50" charset="-128"/>
-                <a:cs typeface="Arial Unicode MS" panose="020B0604020202020204" pitchFamily="50" charset="-128"/>
-              </a:endParaRPr>
             </a:p>
           </p:txBody>
         </p:sp>
@@ -4882,11 +4877,6 @@
                 </a:rPr>
                 <a:t>コンテナ</a:t>
               </a:r>
-              <a:endParaRPr lang="ja-JP" altLang="en-US" sz="2400" dirty="0">
-                <a:latin typeface="Arial Unicode MS" panose="020B0604020202020204" pitchFamily="50" charset="-128"/>
-                <a:ea typeface="Arial Unicode MS" panose="020B0604020202020204" pitchFamily="50" charset="-128"/>
-                <a:cs typeface="Arial Unicode MS" panose="020B0604020202020204" pitchFamily="50" charset="-128"/>
-              </a:endParaRPr>
             </a:p>
           </p:txBody>
         </p:sp>
@@ -5063,11 +5053,6 @@
                 </a:rPr>
                 <a:t>コンテナ</a:t>
               </a:r>
-              <a:endParaRPr lang="ja-JP" altLang="en-US" sz="2400" dirty="0">
-                <a:latin typeface="Arial Unicode MS" panose="020B0604020202020204" pitchFamily="50" charset="-128"/>
-                <a:ea typeface="Arial Unicode MS" panose="020B0604020202020204" pitchFamily="50" charset="-128"/>
-                <a:cs typeface="Arial Unicode MS" panose="020B0604020202020204" pitchFamily="50" charset="-128"/>
-              </a:endParaRPr>
             </a:p>
           </p:txBody>
         </p:sp>
@@ -5244,11 +5229,6 @@
                 </a:rPr>
                 <a:t>コンテナ</a:t>
               </a:r>
-              <a:endParaRPr lang="ja-JP" altLang="en-US" sz="2400" dirty="0">
-                <a:latin typeface="Arial Unicode MS" panose="020B0604020202020204" pitchFamily="50" charset="-128"/>
-                <a:ea typeface="Arial Unicode MS" panose="020B0604020202020204" pitchFamily="50" charset="-128"/>
-                <a:cs typeface="Arial Unicode MS" panose="020B0604020202020204" pitchFamily="50" charset="-128"/>
-              </a:endParaRPr>
             </a:p>
           </p:txBody>
         </p:sp>
@@ -5725,11 +5705,6 @@
                 </a:rPr>
                 <a:t>コンテナ</a:t>
               </a:r>
-              <a:endParaRPr lang="ja-JP" altLang="en-US" sz="2400" dirty="0">
-                <a:latin typeface="Arial Unicode MS" panose="020B0604020202020204" pitchFamily="50" charset="-128"/>
-                <a:ea typeface="Arial Unicode MS" panose="020B0604020202020204" pitchFamily="50" charset="-128"/>
-                <a:cs typeface="Arial Unicode MS" panose="020B0604020202020204" pitchFamily="50" charset="-128"/>
-              </a:endParaRPr>
             </a:p>
           </p:txBody>
         </p:sp>
@@ -5906,11 +5881,6 @@
                 </a:rPr>
                 <a:t>コンテナ</a:t>
               </a:r>
-              <a:endParaRPr lang="ja-JP" altLang="en-US" sz="2400" dirty="0">
-                <a:latin typeface="Arial Unicode MS" panose="020B0604020202020204" pitchFamily="50" charset="-128"/>
-                <a:ea typeface="Arial Unicode MS" panose="020B0604020202020204" pitchFamily="50" charset="-128"/>
-                <a:cs typeface="Arial Unicode MS" panose="020B0604020202020204" pitchFamily="50" charset="-128"/>
-              </a:endParaRPr>
             </a:p>
           </p:txBody>
         </p:sp>
@@ -6087,11 +6057,6 @@
                 </a:rPr>
                 <a:t>コンテナ</a:t>
               </a:r>
-              <a:endParaRPr lang="ja-JP" altLang="en-US" sz="2400" dirty="0">
-                <a:latin typeface="Arial Unicode MS" panose="020B0604020202020204" pitchFamily="50" charset="-128"/>
-                <a:ea typeface="Arial Unicode MS" panose="020B0604020202020204" pitchFamily="50" charset="-128"/>
-                <a:cs typeface="Arial Unicode MS" panose="020B0604020202020204" pitchFamily="50" charset="-128"/>
-              </a:endParaRPr>
             </a:p>
           </p:txBody>
         </p:sp>
@@ -6268,11 +6233,6 @@
                 </a:rPr>
                 <a:t>コンテナ</a:t>
               </a:r>
-              <a:endParaRPr lang="ja-JP" altLang="en-US" sz="2400" dirty="0">
-                <a:latin typeface="Arial Unicode MS" panose="020B0604020202020204" pitchFamily="50" charset="-128"/>
-                <a:ea typeface="Arial Unicode MS" panose="020B0604020202020204" pitchFamily="50" charset="-128"/>
-                <a:cs typeface="Arial Unicode MS" panose="020B0604020202020204" pitchFamily="50" charset="-128"/>
-              </a:endParaRPr>
             </a:p>
           </p:txBody>
         </p:sp>
@@ -8646,7 +8606,7 @@
               <a:rPr kumimoji="1" lang="en-US" altLang="ja-JP" sz="1600" dirty="0" err="1" smtClean="0">
                 <a:latin typeface="Impact" panose="020B0806030902050204" pitchFamily="34" charset="0"/>
               </a:rPr>
-              <a:t>kubelet</a:t>
+              <a:t>kubectl</a:t>
             </a:r>
             <a:endParaRPr kumimoji="1" lang="ja-JP" altLang="en-US" sz="1600" dirty="0">
               <a:latin typeface="Impact" panose="020B0806030902050204" pitchFamily="34" charset="0"/>
